--- a/diagramma.pptx
+++ b/diagramma.pptx
@@ -3583,8 +3583,8 @@
         </p:nvSpPr>
         <p:spPr>
           <a:xfrm rot="2940000" flipH="1">
-            <a:off x="6035577" y="2863746"/>
-            <a:ext cx="2093630" cy="737201"/>
+            <a:off x="5901600" y="3044387"/>
+            <a:ext cx="2093630" cy="404576"/>
           </a:xfrm>
           <a:prstGeom prst="roundRect">
             <a:avLst/>
@@ -3623,8 +3623,8 @@
         </p:nvSpPr>
         <p:spPr>
           <a:xfrm rot="2940000" flipH="1">
-            <a:off x="5168982" y="3654466"/>
-            <a:ext cx="1980220" cy="432048"/>
+            <a:off x="5183949" y="3524376"/>
+            <a:ext cx="1980220" cy="725313"/>
           </a:xfrm>
           <a:prstGeom prst="roundRect">
             <a:avLst/>
@@ -3729,7 +3729,7 @@
         </p:nvSpPr>
         <p:spPr>
           <a:xfrm rot="3000000" flipH="1">
-            <a:off x="5181901" y="3683231"/>
+            <a:off x="5076220" y="3751567"/>
             <a:ext cx="1954381" cy="369332"/>
           </a:xfrm>
           <a:prstGeom prst="rect">
@@ -3763,7 +3763,7 @@
         </p:nvSpPr>
         <p:spPr>
           <a:xfrm rot="2940000" flipH="1">
-            <a:off x="6244043" y="2826670"/>
+            <a:off x="6099465" y="3040000"/>
             <a:ext cx="1697901" cy="369332"/>
           </a:xfrm>
           <a:prstGeom prst="rect">
@@ -3797,7 +3797,7 @@
         </p:nvSpPr>
         <p:spPr>
           <a:xfrm rot="2940000" flipH="1">
-            <a:off x="5940311" y="3185177"/>
+            <a:off x="5289324" y="3664788"/>
             <a:ext cx="2082621" cy="369332"/>
           </a:xfrm>
           <a:prstGeom prst="rect">

--- a/diagramma.pptx
+++ b/diagramma.pptx
@@ -294,7 +294,7 @@
           <a:p>
             <a:fld id="{3C3F2CCA-C924-4F2B-BC64-D820A5D0C245}" type="datetimeFigureOut">
               <a:rPr lang="it-IT" smtClean="0"/>
-              <a:t>19/11/2025</a:t>
+              <a:t>15/12/2025</a:t>
             </a:fld>
             <a:endParaRPr lang="it-IT"/>
           </a:p>
@@ -459,7 +459,7 @@
           <a:p>
             <a:fld id="{3C3F2CCA-C924-4F2B-BC64-D820A5D0C245}" type="datetimeFigureOut">
               <a:rPr lang="it-IT" smtClean="0"/>
-              <a:t>19/11/2025</a:t>
+              <a:t>15/12/2025</a:t>
             </a:fld>
             <a:endParaRPr lang="it-IT"/>
           </a:p>
@@ -634,7 +634,7 @@
           <a:p>
             <a:fld id="{3C3F2CCA-C924-4F2B-BC64-D820A5D0C245}" type="datetimeFigureOut">
               <a:rPr lang="it-IT" smtClean="0"/>
-              <a:t>19/11/2025</a:t>
+              <a:t>15/12/2025</a:t>
             </a:fld>
             <a:endParaRPr lang="it-IT"/>
           </a:p>
@@ -799,7 +799,7 @@
           <a:p>
             <a:fld id="{3C3F2CCA-C924-4F2B-BC64-D820A5D0C245}" type="datetimeFigureOut">
               <a:rPr lang="it-IT" smtClean="0"/>
-              <a:t>19/11/2025</a:t>
+              <a:t>15/12/2025</a:t>
             </a:fld>
             <a:endParaRPr lang="it-IT"/>
           </a:p>
@@ -1038,7 +1038,7 @@
           <a:p>
             <a:fld id="{3C3F2CCA-C924-4F2B-BC64-D820A5D0C245}" type="datetimeFigureOut">
               <a:rPr lang="it-IT" smtClean="0"/>
-              <a:t>19/11/2025</a:t>
+              <a:t>15/12/2025</a:t>
             </a:fld>
             <a:endParaRPr lang="it-IT"/>
           </a:p>
@@ -1128,7 +1128,7 @@
           <a:p>
             <a:fld id="{3C3F2CCA-C924-4F2B-BC64-D820A5D0C245}" type="datetimeFigureOut">
               <a:rPr lang="it-IT" smtClean="0"/>
-              <a:t>19/11/2025</a:t>
+              <a:t>15/12/2025</a:t>
             </a:fld>
             <a:endParaRPr lang="it-IT"/>
           </a:p>
@@ -1502,7 +1502,7 @@
           <a:p>
             <a:fld id="{3C3F2CCA-C924-4F2B-BC64-D820A5D0C245}" type="datetimeFigureOut">
               <a:rPr lang="it-IT" smtClean="0"/>
-              <a:t>19/11/2025</a:t>
+              <a:t>15/12/2025</a:t>
             </a:fld>
             <a:endParaRPr lang="it-IT"/>
           </a:p>
@@ -1757,7 +1757,7 @@
           <a:p>
             <a:fld id="{3C3F2CCA-C924-4F2B-BC64-D820A5D0C245}" type="datetimeFigureOut">
               <a:rPr lang="it-IT" smtClean="0"/>
-              <a:t>19/11/2025</a:t>
+              <a:t>15/12/2025</a:t>
             </a:fld>
             <a:endParaRPr lang="it-IT"/>
           </a:p>
@@ -1847,7 +1847,7 @@
           <a:p>
             <a:fld id="{3C3F2CCA-C924-4F2B-BC64-D820A5D0C245}" type="datetimeFigureOut">
               <a:rPr lang="it-IT" smtClean="0"/>
-              <a:t>19/11/2025</a:t>
+              <a:t>15/12/2025</a:t>
             </a:fld>
             <a:endParaRPr lang="it-IT"/>
           </a:p>
@@ -2121,7 +2121,7 @@
           <a:p>
             <a:fld id="{3C3F2CCA-C924-4F2B-BC64-D820A5D0C245}" type="datetimeFigureOut">
               <a:rPr lang="it-IT" smtClean="0"/>
-              <a:t>19/11/2025</a:t>
+              <a:t>15/12/2025</a:t>
             </a:fld>
             <a:endParaRPr lang="it-IT"/>
           </a:p>
@@ -2393,7 +2393,7 @@
           <a:p>
             <a:fld id="{3C3F2CCA-C924-4F2B-BC64-D820A5D0C245}" type="datetimeFigureOut">
               <a:rPr lang="it-IT" smtClean="0"/>
-              <a:t>19/11/2025</a:t>
+              <a:t>15/12/2025</a:t>
             </a:fld>
             <a:endParaRPr lang="it-IT"/>
           </a:p>
@@ -2693,7 +2693,7 @@
           <a:p>
             <a:fld id="{3C3F2CCA-C924-4F2B-BC64-D820A5D0C245}" type="datetimeFigureOut">
               <a:rPr lang="it-IT" smtClean="0"/>
-              <a:t>19/11/2025</a:t>
+              <a:t>15/12/2025</a:t>
             </a:fld>
             <a:endParaRPr lang="it-IT"/>
           </a:p>
@@ -3554,7 +3554,7 @@
         <p:spPr>
           <a:xfrm>
             <a:off x="7029902" y="4922324"/>
-            <a:ext cx="1313180" cy="369332"/>
+            <a:ext cx="1539845" cy="646331"/>
           </a:xfrm>
           <a:prstGeom prst="rect">
             <a:avLst/>
@@ -3568,8 +3568,22 @@
           <a:lstStyle/>
           <a:p>
             <a:r>
+              <a:rPr lang="it-IT" dirty="0" smtClean="0"/>
+              <a:t>MQTT server</a:t>
+            </a:r>
+          </a:p>
+          <a:p>
+            <a:r>
+              <a:rPr lang="it-IT" dirty="0"/>
+              <a:t>(</a:t>
+            </a:r>
+            <a:r>
               <a:rPr lang="it-IT" dirty="0" err="1" smtClean="0"/>
               <a:t>JefBOARD</a:t>
+            </a:r>
+            <a:r>
+              <a:rPr lang="it-IT" dirty="0" smtClean="0"/>
+              <a:t>)</a:t>
             </a:r>
             <a:endParaRPr lang="it-IT" dirty="0"/>
           </a:p>
